--- a/Grant Writing/NSF GFRP/Reserch Proposal/LogicTree.pptx
+++ b/Grant Writing/NSF GFRP/Reserch Proposal/LogicTree.pptx
@@ -105,6 +105,11 @@
       </a:defRPr>
     </a:lvl9pPr>
   </p:defaultTextStyle>
+  <p:extLst>
+    <p:ext uri="{EFAFB233-063F-42B5-8137-9DF3F51BA10A}">
+      <p15:sldGuideLst xmlns:p15="http://schemas.microsoft.com/office/powerpoint/2012/main"/>
+    </p:ext>
+  </p:extLst>
 </p:presentation>
 </file>
 
@@ -239,7 +244,7 @@
           <a:p>
             <a:fld id="{68D7DFA4-F252-2C4E-A5A4-4307429ACDD9}" type="datetimeFigureOut">
               <a:rPr lang="en-US" smtClean="0"/>
-              <a:t>9/16/17</a:t>
+              <a:t>9/25/17</a:t>
             </a:fld>
             <a:endParaRPr lang="en-US"/>
           </a:p>
@@ -409,7 +414,7 @@
           <a:p>
             <a:fld id="{68D7DFA4-F252-2C4E-A5A4-4307429ACDD9}" type="datetimeFigureOut">
               <a:rPr lang="en-US" smtClean="0"/>
-              <a:t>9/16/17</a:t>
+              <a:t>9/25/17</a:t>
             </a:fld>
             <a:endParaRPr lang="en-US"/>
           </a:p>
@@ -589,7 +594,7 @@
           <a:p>
             <a:fld id="{68D7DFA4-F252-2C4E-A5A4-4307429ACDD9}" type="datetimeFigureOut">
               <a:rPr lang="en-US" smtClean="0"/>
-              <a:t>9/16/17</a:t>
+              <a:t>9/25/17</a:t>
             </a:fld>
             <a:endParaRPr lang="en-US"/>
           </a:p>
@@ -759,7 +764,7 @@
           <a:p>
             <a:fld id="{68D7DFA4-F252-2C4E-A5A4-4307429ACDD9}" type="datetimeFigureOut">
               <a:rPr lang="en-US" smtClean="0"/>
-              <a:t>9/16/17</a:t>
+              <a:t>9/25/17</a:t>
             </a:fld>
             <a:endParaRPr lang="en-US"/>
           </a:p>
@@ -1003,7 +1008,7 @@
           <a:p>
             <a:fld id="{68D7DFA4-F252-2C4E-A5A4-4307429ACDD9}" type="datetimeFigureOut">
               <a:rPr lang="en-US" smtClean="0"/>
-              <a:t>9/16/17</a:t>
+              <a:t>9/25/17</a:t>
             </a:fld>
             <a:endParaRPr lang="en-US"/>
           </a:p>
@@ -1235,7 +1240,7 @@
           <a:p>
             <a:fld id="{68D7DFA4-F252-2C4E-A5A4-4307429ACDD9}" type="datetimeFigureOut">
               <a:rPr lang="en-US" smtClean="0"/>
-              <a:t>9/16/17</a:t>
+              <a:t>9/25/17</a:t>
             </a:fld>
             <a:endParaRPr lang="en-US"/>
           </a:p>
@@ -1602,7 +1607,7 @@
           <a:p>
             <a:fld id="{68D7DFA4-F252-2C4E-A5A4-4307429ACDD9}" type="datetimeFigureOut">
               <a:rPr lang="en-US" smtClean="0"/>
-              <a:t>9/16/17</a:t>
+              <a:t>9/25/17</a:t>
             </a:fld>
             <a:endParaRPr lang="en-US"/>
           </a:p>
@@ -1720,7 +1725,7 @@
           <a:p>
             <a:fld id="{68D7DFA4-F252-2C4E-A5A4-4307429ACDD9}" type="datetimeFigureOut">
               <a:rPr lang="en-US" smtClean="0"/>
-              <a:t>9/16/17</a:t>
+              <a:t>9/25/17</a:t>
             </a:fld>
             <a:endParaRPr lang="en-US"/>
           </a:p>
@@ -1815,7 +1820,7 @@
           <a:p>
             <a:fld id="{68D7DFA4-F252-2C4E-A5A4-4307429ACDD9}" type="datetimeFigureOut">
               <a:rPr lang="en-US" smtClean="0"/>
-              <a:t>9/16/17</a:t>
+              <a:t>9/25/17</a:t>
             </a:fld>
             <a:endParaRPr lang="en-US"/>
           </a:p>
@@ -2092,7 +2097,7 @@
           <a:p>
             <a:fld id="{68D7DFA4-F252-2C4E-A5A4-4307429ACDD9}" type="datetimeFigureOut">
               <a:rPr lang="en-US" smtClean="0"/>
-              <a:t>9/16/17</a:t>
+              <a:t>9/25/17</a:t>
             </a:fld>
             <a:endParaRPr lang="en-US"/>
           </a:p>
@@ -2349,7 +2354,7 @@
           <a:p>
             <a:fld id="{68D7DFA4-F252-2C4E-A5A4-4307429ACDD9}" type="datetimeFigureOut">
               <a:rPr lang="en-US" smtClean="0"/>
-              <a:t>9/16/17</a:t>
+              <a:t>9/25/17</a:t>
             </a:fld>
             <a:endParaRPr lang="en-US"/>
           </a:p>
@@ -2562,7 +2567,7 @@
           <a:p>
             <a:fld id="{68D7DFA4-F252-2C4E-A5A4-4307429ACDD9}" type="datetimeFigureOut">
               <a:rPr lang="en-US" smtClean="0"/>
-              <a:t>9/16/17</a:t>
+              <a:t>9/25/17</a:t>
             </a:fld>
             <a:endParaRPr lang="en-US"/>
           </a:p>
@@ -3090,7 +3095,23 @@
                   <a:schemeClr val="tx1"/>
                 </a:solidFill>
               </a:rPr>
-              <a:t>Are there high probability co-infection combinations in the nature?</a:t>
+              <a:t>Are there high probability co-infection combinations </a:t>
+            </a:r>
+            <a:r>
+              <a:rPr lang="en-US" sz="1013" i="1" dirty="0" smtClean="0">
+                <a:solidFill>
+                  <a:schemeClr val="tx1"/>
+                </a:solidFill>
+              </a:rPr>
+              <a:t>in </a:t>
+            </a:r>
+            <a:r>
+              <a:rPr lang="en-US" sz="1013" i="1" dirty="0">
+                <a:solidFill>
+                  <a:schemeClr val="tx1"/>
+                </a:solidFill>
+              </a:rPr>
+              <a:t>nature?</a:t>
             </a:r>
             <a:endParaRPr lang="en-US" sz="1013" dirty="0">
               <a:solidFill>
@@ -3765,11 +3786,6 @@
               </a:rPr>
               <a:t>Comp. decreases Mort.</a:t>
             </a:r>
-            <a:endParaRPr lang="en-US" sz="1013" dirty="0">
-              <a:solidFill>
-                <a:sysClr val="windowText" lastClr="000000"/>
-              </a:solidFill>
-            </a:endParaRPr>
           </a:p>
         </p:txBody>
       </p:sp>
@@ -3902,11 +3918,6 @@
               </a:rPr>
               <a:t> increases Mort.</a:t>
             </a:r>
-            <a:endParaRPr lang="en-US" sz="1013" dirty="0">
-              <a:solidFill>
-                <a:sysClr val="windowText" lastClr="000000"/>
-              </a:solidFill>
-            </a:endParaRPr>
           </a:p>
         </p:txBody>
       </p:sp>
@@ -4091,11 +4102,6 @@
               </a:rPr>
               <a:t> decreases Mort.</a:t>
             </a:r>
-            <a:endParaRPr lang="en-US" sz="1013" dirty="0">
-              <a:solidFill>
-                <a:sysClr val="windowText" lastClr="000000"/>
-              </a:solidFill>
-            </a:endParaRPr>
           </a:p>
         </p:txBody>
       </p:sp>
@@ -4158,11 +4164,6 @@
               </a:rPr>
               <a:t>No effect on Mort.</a:t>
             </a:r>
-            <a:endParaRPr lang="en-US" sz="1013" dirty="0">
-              <a:solidFill>
-                <a:sysClr val="windowText" lastClr="000000"/>
-              </a:solidFill>
-            </a:endParaRPr>
           </a:p>
         </p:txBody>
       </p:sp>
@@ -5213,11 +5214,6 @@
               </a:rPr>
               <a:t>Comp. decreases Mort.</a:t>
             </a:r>
-            <a:endParaRPr lang="en-US" sz="1400" dirty="0">
-              <a:solidFill>
-                <a:sysClr val="windowText" lastClr="000000"/>
-              </a:solidFill>
-            </a:endParaRPr>
           </a:p>
         </p:txBody>
       </p:sp>
@@ -5358,11 +5354,6 @@
               </a:rPr>
               <a:t>increases Mort.</a:t>
             </a:r>
-            <a:endParaRPr lang="en-US" sz="1400" dirty="0">
-              <a:solidFill>
-                <a:sysClr val="windowText" lastClr="000000"/>
-              </a:solidFill>
-            </a:endParaRPr>
           </a:p>
         </p:txBody>
       </p:sp>
@@ -5433,11 +5424,6 @@
               </a:rPr>
               <a:t> decreases Mort.</a:t>
             </a:r>
-            <a:endParaRPr lang="en-US" sz="1400" dirty="0">
-              <a:solidFill>
-                <a:sysClr val="windowText" lastClr="000000"/>
-              </a:solidFill>
-            </a:endParaRPr>
           </a:p>
         </p:txBody>
       </p:sp>
@@ -5500,11 +5486,6 @@
               </a:rPr>
               <a:t>No effect on Mort.</a:t>
             </a:r>
-            <a:endParaRPr lang="en-US" sz="1400" dirty="0">
-              <a:solidFill>
-                <a:sysClr val="windowText" lastClr="000000"/>
-              </a:solidFill>
-            </a:endParaRPr>
           </a:p>
         </p:txBody>
       </p:sp>
